--- a/ppt 16-9/0465.为教会复兴而奉.pptx
+++ b/ppt 16-9/0465.为教会复兴而奉.pptx
@@ -129,7 +129,7 @@
           <p:cNvPr id="2" name="标题 1">
             <a:extLst>
               <a:ext uri="{FF2B5EF4-FFF2-40B4-BE49-F238E27FC236}">
-                <a16:creationId xmlns:a16="http://schemas.microsoft.com/office/drawing/2014/main" id="{D02FCD20-6E8E-8CE2-E97E-D923B7CF9D31}"/>
+                <a16:creationId xmlns:a16="http://schemas.microsoft.com/office/drawing/2014/main" id="{9687C4D1-9273-A08C-0D80-87AA7520A1B2}"/>
               </a:ext>
             </a:extLst>
           </p:cNvPr>
@@ -166,7 +166,7 @@
           <p:cNvPr id="3" name="副标题 2">
             <a:extLst>
               <a:ext uri="{FF2B5EF4-FFF2-40B4-BE49-F238E27FC236}">
-                <a16:creationId xmlns:a16="http://schemas.microsoft.com/office/drawing/2014/main" id="{A82E1716-3896-23AC-5E2C-97457BC0E32C}"/>
+                <a16:creationId xmlns:a16="http://schemas.microsoft.com/office/drawing/2014/main" id="{6B48B366-3F42-920B-1121-652B893D93CD}"/>
               </a:ext>
             </a:extLst>
           </p:cNvPr>
@@ -236,7 +236,7 @@
           <p:cNvPr id="4" name="日期占位符 3">
             <a:extLst>
               <a:ext uri="{FF2B5EF4-FFF2-40B4-BE49-F238E27FC236}">
-                <a16:creationId xmlns:a16="http://schemas.microsoft.com/office/drawing/2014/main" id="{E2FAF789-4F46-9A0A-95EA-E15ED0A0A3DA}"/>
+                <a16:creationId xmlns:a16="http://schemas.microsoft.com/office/drawing/2014/main" id="{0CBB9DE7-3CFE-F972-673D-22EB28071FFE}"/>
               </a:ext>
             </a:extLst>
           </p:cNvPr>
@@ -252,7 +252,7 @@
           <a:bodyPr/>
           <a:lstStyle/>
           <a:p>
-            <a:fld id="{1159228C-D8AA-4A4D-A50B-D822AB05AE00}" type="datetimeFigureOut">
+            <a:fld id="{6562A4C0-0EBC-4B41-B8AA-C9FAC0F5E612}" type="datetimeFigureOut">
               <a:rPr lang="zh-CN" altLang="en-US" smtClean="0"/>
               <a:t>2024/3/10</a:t>
             </a:fld>
@@ -265,7 +265,7 @@
           <p:cNvPr id="5" name="页脚占位符 4">
             <a:extLst>
               <a:ext uri="{FF2B5EF4-FFF2-40B4-BE49-F238E27FC236}">
-                <a16:creationId xmlns:a16="http://schemas.microsoft.com/office/drawing/2014/main" id="{41019A79-FECF-F27D-5665-BD0940F7D975}"/>
+                <a16:creationId xmlns:a16="http://schemas.microsoft.com/office/drawing/2014/main" id="{D3DF1C73-7131-7DBD-01C0-F324D36DFC3C}"/>
               </a:ext>
             </a:extLst>
           </p:cNvPr>
@@ -290,7 +290,7 @@
           <p:cNvPr id="6" name="灯片编号占位符 5">
             <a:extLst>
               <a:ext uri="{FF2B5EF4-FFF2-40B4-BE49-F238E27FC236}">
-                <a16:creationId xmlns:a16="http://schemas.microsoft.com/office/drawing/2014/main" id="{BFA13A23-B483-FA00-8295-97FC89F04F79}"/>
+                <a16:creationId xmlns:a16="http://schemas.microsoft.com/office/drawing/2014/main" id="{A0C5F059-9304-EC1C-15A0-C9A0CF78AA21}"/>
               </a:ext>
             </a:extLst>
           </p:cNvPr>
@@ -306,7 +306,7 @@
           <a:bodyPr/>
           <a:lstStyle/>
           <a:p>
-            <a:fld id="{19A86520-B4BB-4290-8377-0A72F21CBCD9}" type="slidenum">
+            <a:fld id="{11C4F375-48A4-443F-9635-5D420C4CAED4}" type="slidenum">
               <a:rPr lang="zh-CN" altLang="en-US" smtClean="0"/>
               <a:t>‹#›</a:t>
             </a:fld>
@@ -317,7 +317,7 @@
     </p:spTree>
     <p:extLst>
       <p:ext uri="{BB962C8B-B14F-4D97-AF65-F5344CB8AC3E}">
-        <p14:creationId xmlns:p14="http://schemas.microsoft.com/office/powerpoint/2010/main" val="175805558"/>
+        <p14:creationId xmlns:p14="http://schemas.microsoft.com/office/powerpoint/2010/main" val="458222877"/>
       </p:ext>
     </p:extLst>
   </p:cSld>
@@ -349,7 +349,7 @@
           <p:cNvPr id="2" name="标题 1">
             <a:extLst>
               <a:ext uri="{FF2B5EF4-FFF2-40B4-BE49-F238E27FC236}">
-                <a16:creationId xmlns:a16="http://schemas.microsoft.com/office/drawing/2014/main" id="{21378ADD-2DF2-AB72-754C-FFEE031BE984}"/>
+                <a16:creationId xmlns:a16="http://schemas.microsoft.com/office/drawing/2014/main" id="{A1733F28-9587-1E9B-ADB4-9502C3109F45}"/>
               </a:ext>
             </a:extLst>
           </p:cNvPr>
@@ -377,7 +377,7 @@
           <p:cNvPr id="3" name="竖排文字占位符 2">
             <a:extLst>
               <a:ext uri="{FF2B5EF4-FFF2-40B4-BE49-F238E27FC236}">
-                <a16:creationId xmlns:a16="http://schemas.microsoft.com/office/drawing/2014/main" id="{05378AA1-77A1-E9C5-4948-2CF86CF6DB09}"/>
+                <a16:creationId xmlns:a16="http://schemas.microsoft.com/office/drawing/2014/main" id="{718C2B24-B736-B01A-98FA-EC6C4CA4B3AE}"/>
               </a:ext>
             </a:extLst>
           </p:cNvPr>
@@ -434,7 +434,7 @@
           <p:cNvPr id="4" name="日期占位符 3">
             <a:extLst>
               <a:ext uri="{FF2B5EF4-FFF2-40B4-BE49-F238E27FC236}">
-                <a16:creationId xmlns:a16="http://schemas.microsoft.com/office/drawing/2014/main" id="{433D8181-6D22-CF16-8EE0-865DF9D7DD09}"/>
+                <a16:creationId xmlns:a16="http://schemas.microsoft.com/office/drawing/2014/main" id="{E4190DAF-7AD0-E616-D397-BFB9F34C8B2C}"/>
               </a:ext>
             </a:extLst>
           </p:cNvPr>
@@ -450,7 +450,7 @@
           <a:bodyPr/>
           <a:lstStyle/>
           <a:p>
-            <a:fld id="{1159228C-D8AA-4A4D-A50B-D822AB05AE00}" type="datetimeFigureOut">
+            <a:fld id="{6562A4C0-0EBC-4B41-B8AA-C9FAC0F5E612}" type="datetimeFigureOut">
               <a:rPr lang="zh-CN" altLang="en-US" smtClean="0"/>
               <a:t>2024/3/10</a:t>
             </a:fld>
@@ -463,7 +463,7 @@
           <p:cNvPr id="5" name="页脚占位符 4">
             <a:extLst>
               <a:ext uri="{FF2B5EF4-FFF2-40B4-BE49-F238E27FC236}">
-                <a16:creationId xmlns:a16="http://schemas.microsoft.com/office/drawing/2014/main" id="{4246631A-7C0A-C542-18DD-15D653DC69B0}"/>
+                <a16:creationId xmlns:a16="http://schemas.microsoft.com/office/drawing/2014/main" id="{8892B203-290E-A481-2109-A8C338256115}"/>
               </a:ext>
             </a:extLst>
           </p:cNvPr>
@@ -488,7 +488,7 @@
           <p:cNvPr id="6" name="灯片编号占位符 5">
             <a:extLst>
               <a:ext uri="{FF2B5EF4-FFF2-40B4-BE49-F238E27FC236}">
-                <a16:creationId xmlns:a16="http://schemas.microsoft.com/office/drawing/2014/main" id="{12EF6F58-68BD-5337-FB11-7DB2662AC518}"/>
+                <a16:creationId xmlns:a16="http://schemas.microsoft.com/office/drawing/2014/main" id="{BEAD95C2-7283-2CE0-A41A-BD10BCE3DCA8}"/>
               </a:ext>
             </a:extLst>
           </p:cNvPr>
@@ -504,7 +504,7 @@
           <a:bodyPr/>
           <a:lstStyle/>
           <a:p>
-            <a:fld id="{19A86520-B4BB-4290-8377-0A72F21CBCD9}" type="slidenum">
+            <a:fld id="{11C4F375-48A4-443F-9635-5D420C4CAED4}" type="slidenum">
               <a:rPr lang="zh-CN" altLang="en-US" smtClean="0"/>
               <a:t>‹#›</a:t>
             </a:fld>
@@ -515,7 +515,7 @@
     </p:spTree>
     <p:extLst>
       <p:ext uri="{BB962C8B-B14F-4D97-AF65-F5344CB8AC3E}">
-        <p14:creationId xmlns:p14="http://schemas.microsoft.com/office/powerpoint/2010/main" val="2094628059"/>
+        <p14:creationId xmlns:p14="http://schemas.microsoft.com/office/powerpoint/2010/main" val="2198422965"/>
       </p:ext>
     </p:extLst>
   </p:cSld>
@@ -547,7 +547,7 @@
           <p:cNvPr id="2" name="竖排标题 1">
             <a:extLst>
               <a:ext uri="{FF2B5EF4-FFF2-40B4-BE49-F238E27FC236}">
-                <a16:creationId xmlns:a16="http://schemas.microsoft.com/office/drawing/2014/main" id="{CC7AB936-8F19-6198-982C-3ADBF8BC4F18}"/>
+                <a16:creationId xmlns:a16="http://schemas.microsoft.com/office/drawing/2014/main" id="{4148D5DE-ADA2-1F26-BB34-24BFC94B7E66}"/>
               </a:ext>
             </a:extLst>
           </p:cNvPr>
@@ -580,7 +580,7 @@
           <p:cNvPr id="3" name="竖排文字占位符 2">
             <a:extLst>
               <a:ext uri="{FF2B5EF4-FFF2-40B4-BE49-F238E27FC236}">
-                <a16:creationId xmlns:a16="http://schemas.microsoft.com/office/drawing/2014/main" id="{A3144D76-3332-9EA0-8993-C7000CB49775}"/>
+                <a16:creationId xmlns:a16="http://schemas.microsoft.com/office/drawing/2014/main" id="{AD6BE0DD-5706-2A1D-9460-3B8D1647F488}"/>
               </a:ext>
             </a:extLst>
           </p:cNvPr>
@@ -642,7 +642,7 @@
           <p:cNvPr id="4" name="日期占位符 3">
             <a:extLst>
               <a:ext uri="{FF2B5EF4-FFF2-40B4-BE49-F238E27FC236}">
-                <a16:creationId xmlns:a16="http://schemas.microsoft.com/office/drawing/2014/main" id="{34210CEC-9C13-BE16-212C-AA4D9989E011}"/>
+                <a16:creationId xmlns:a16="http://schemas.microsoft.com/office/drawing/2014/main" id="{86E0D54E-E715-746A-8EB2-E9C9A441D01F}"/>
               </a:ext>
             </a:extLst>
           </p:cNvPr>
@@ -658,7 +658,7 @@
           <a:bodyPr/>
           <a:lstStyle/>
           <a:p>
-            <a:fld id="{1159228C-D8AA-4A4D-A50B-D822AB05AE00}" type="datetimeFigureOut">
+            <a:fld id="{6562A4C0-0EBC-4B41-B8AA-C9FAC0F5E612}" type="datetimeFigureOut">
               <a:rPr lang="zh-CN" altLang="en-US" smtClean="0"/>
               <a:t>2024/3/10</a:t>
             </a:fld>
@@ -671,7 +671,7 @@
           <p:cNvPr id="5" name="页脚占位符 4">
             <a:extLst>
               <a:ext uri="{FF2B5EF4-FFF2-40B4-BE49-F238E27FC236}">
-                <a16:creationId xmlns:a16="http://schemas.microsoft.com/office/drawing/2014/main" id="{0EC4FD58-3EBC-5D29-E457-74C2FE42B99D}"/>
+                <a16:creationId xmlns:a16="http://schemas.microsoft.com/office/drawing/2014/main" id="{9384D260-5ED1-16F4-6ED1-4FB72ABD5B60}"/>
               </a:ext>
             </a:extLst>
           </p:cNvPr>
@@ -696,7 +696,7 @@
           <p:cNvPr id="6" name="灯片编号占位符 5">
             <a:extLst>
               <a:ext uri="{FF2B5EF4-FFF2-40B4-BE49-F238E27FC236}">
-                <a16:creationId xmlns:a16="http://schemas.microsoft.com/office/drawing/2014/main" id="{C85DADD4-0EFD-1E7B-8632-6E745C8897B2}"/>
+                <a16:creationId xmlns:a16="http://schemas.microsoft.com/office/drawing/2014/main" id="{65A3CC09-7897-FA35-46F3-3740AA6E5158}"/>
               </a:ext>
             </a:extLst>
           </p:cNvPr>
@@ -712,7 +712,7 @@
           <a:bodyPr/>
           <a:lstStyle/>
           <a:p>
-            <a:fld id="{19A86520-B4BB-4290-8377-0A72F21CBCD9}" type="slidenum">
+            <a:fld id="{11C4F375-48A4-443F-9635-5D420C4CAED4}" type="slidenum">
               <a:rPr lang="zh-CN" altLang="en-US" smtClean="0"/>
               <a:t>‹#›</a:t>
             </a:fld>
@@ -723,7 +723,7 @@
     </p:spTree>
     <p:extLst>
       <p:ext uri="{BB962C8B-B14F-4D97-AF65-F5344CB8AC3E}">
-        <p14:creationId xmlns:p14="http://schemas.microsoft.com/office/powerpoint/2010/main" val="4170667956"/>
+        <p14:creationId xmlns:p14="http://schemas.microsoft.com/office/powerpoint/2010/main" val="2977951864"/>
       </p:ext>
     </p:extLst>
   </p:cSld>
@@ -755,7 +755,7 @@
           <p:cNvPr id="2" name="标题 1">
             <a:extLst>
               <a:ext uri="{FF2B5EF4-FFF2-40B4-BE49-F238E27FC236}">
-                <a16:creationId xmlns:a16="http://schemas.microsoft.com/office/drawing/2014/main" id="{B11BE7A2-FF3E-7748-95E7-A943BFFD1D28}"/>
+                <a16:creationId xmlns:a16="http://schemas.microsoft.com/office/drawing/2014/main" id="{A72FC510-47B8-A3F6-38DA-742094DC79C9}"/>
               </a:ext>
             </a:extLst>
           </p:cNvPr>
@@ -783,7 +783,7 @@
           <p:cNvPr id="3" name="内容占位符 2">
             <a:extLst>
               <a:ext uri="{FF2B5EF4-FFF2-40B4-BE49-F238E27FC236}">
-                <a16:creationId xmlns:a16="http://schemas.microsoft.com/office/drawing/2014/main" id="{9B8386D3-D173-84E3-DB92-8CA1217F18EF}"/>
+                <a16:creationId xmlns:a16="http://schemas.microsoft.com/office/drawing/2014/main" id="{368B8E7A-2189-2D7E-08FB-0EAF6AE6906E}"/>
               </a:ext>
             </a:extLst>
           </p:cNvPr>
@@ -840,7 +840,7 @@
           <p:cNvPr id="4" name="日期占位符 3">
             <a:extLst>
               <a:ext uri="{FF2B5EF4-FFF2-40B4-BE49-F238E27FC236}">
-                <a16:creationId xmlns:a16="http://schemas.microsoft.com/office/drawing/2014/main" id="{5A9F5CB8-082D-667E-AB9B-95C90789E91B}"/>
+                <a16:creationId xmlns:a16="http://schemas.microsoft.com/office/drawing/2014/main" id="{317BAF1A-57CB-A5EF-DF14-ABC87F3A40D4}"/>
               </a:ext>
             </a:extLst>
           </p:cNvPr>
@@ -856,7 +856,7 @@
           <a:bodyPr/>
           <a:lstStyle/>
           <a:p>
-            <a:fld id="{1159228C-D8AA-4A4D-A50B-D822AB05AE00}" type="datetimeFigureOut">
+            <a:fld id="{6562A4C0-0EBC-4B41-B8AA-C9FAC0F5E612}" type="datetimeFigureOut">
               <a:rPr lang="zh-CN" altLang="en-US" smtClean="0"/>
               <a:t>2024/3/10</a:t>
             </a:fld>
@@ -869,7 +869,7 @@
           <p:cNvPr id="5" name="页脚占位符 4">
             <a:extLst>
               <a:ext uri="{FF2B5EF4-FFF2-40B4-BE49-F238E27FC236}">
-                <a16:creationId xmlns:a16="http://schemas.microsoft.com/office/drawing/2014/main" id="{6D114AB2-7AFC-D917-4C45-F6FF4FDE0660}"/>
+                <a16:creationId xmlns:a16="http://schemas.microsoft.com/office/drawing/2014/main" id="{5ADED682-8261-5EE3-6774-489992887D7D}"/>
               </a:ext>
             </a:extLst>
           </p:cNvPr>
@@ -894,7 +894,7 @@
           <p:cNvPr id="6" name="灯片编号占位符 5">
             <a:extLst>
               <a:ext uri="{FF2B5EF4-FFF2-40B4-BE49-F238E27FC236}">
-                <a16:creationId xmlns:a16="http://schemas.microsoft.com/office/drawing/2014/main" id="{AFB6BA5B-7442-9E5D-3969-A738D2A29297}"/>
+                <a16:creationId xmlns:a16="http://schemas.microsoft.com/office/drawing/2014/main" id="{73EA9C8D-D932-2D77-0A1D-E7476CDF1F4E}"/>
               </a:ext>
             </a:extLst>
           </p:cNvPr>
@@ -910,7 +910,7 @@
           <a:bodyPr/>
           <a:lstStyle/>
           <a:p>
-            <a:fld id="{19A86520-B4BB-4290-8377-0A72F21CBCD9}" type="slidenum">
+            <a:fld id="{11C4F375-48A4-443F-9635-5D420C4CAED4}" type="slidenum">
               <a:rPr lang="zh-CN" altLang="en-US" smtClean="0"/>
               <a:t>‹#›</a:t>
             </a:fld>
@@ -921,7 +921,7 @@
     </p:spTree>
     <p:extLst>
       <p:ext uri="{BB962C8B-B14F-4D97-AF65-F5344CB8AC3E}">
-        <p14:creationId xmlns:p14="http://schemas.microsoft.com/office/powerpoint/2010/main" val="3033109230"/>
+        <p14:creationId xmlns:p14="http://schemas.microsoft.com/office/powerpoint/2010/main" val="2114067765"/>
       </p:ext>
     </p:extLst>
   </p:cSld>
@@ -953,7 +953,7 @@
           <p:cNvPr id="2" name="标题 1">
             <a:extLst>
               <a:ext uri="{FF2B5EF4-FFF2-40B4-BE49-F238E27FC236}">
-                <a16:creationId xmlns:a16="http://schemas.microsoft.com/office/drawing/2014/main" id="{EE0DA65E-9E7E-1865-FA0C-7C46CE443D9F}"/>
+                <a16:creationId xmlns:a16="http://schemas.microsoft.com/office/drawing/2014/main" id="{8FA31A7F-1CA1-D368-4357-06861D8CBE66}"/>
               </a:ext>
             </a:extLst>
           </p:cNvPr>
@@ -990,7 +990,7 @@
           <p:cNvPr id="3" name="文本占位符 2">
             <a:extLst>
               <a:ext uri="{FF2B5EF4-FFF2-40B4-BE49-F238E27FC236}">
-                <a16:creationId xmlns:a16="http://schemas.microsoft.com/office/drawing/2014/main" id="{74514174-539A-EAEF-6F0A-A858E2D7670D}"/>
+                <a16:creationId xmlns:a16="http://schemas.microsoft.com/office/drawing/2014/main" id="{33F09699-AC07-4D83-2BAE-C0614A5EAABB}"/>
               </a:ext>
             </a:extLst>
           </p:cNvPr>
@@ -1115,7 +1115,7 @@
           <p:cNvPr id="4" name="日期占位符 3">
             <a:extLst>
               <a:ext uri="{FF2B5EF4-FFF2-40B4-BE49-F238E27FC236}">
-                <a16:creationId xmlns:a16="http://schemas.microsoft.com/office/drawing/2014/main" id="{01AB8C83-E2B2-3FA6-72B2-D23BF259D880}"/>
+                <a16:creationId xmlns:a16="http://schemas.microsoft.com/office/drawing/2014/main" id="{4FA98820-F3E4-09B8-0875-41DB8E71D11B}"/>
               </a:ext>
             </a:extLst>
           </p:cNvPr>
@@ -1131,7 +1131,7 @@
           <a:bodyPr/>
           <a:lstStyle/>
           <a:p>
-            <a:fld id="{1159228C-D8AA-4A4D-A50B-D822AB05AE00}" type="datetimeFigureOut">
+            <a:fld id="{6562A4C0-0EBC-4B41-B8AA-C9FAC0F5E612}" type="datetimeFigureOut">
               <a:rPr lang="zh-CN" altLang="en-US" smtClean="0"/>
               <a:t>2024/3/10</a:t>
             </a:fld>
@@ -1144,7 +1144,7 @@
           <p:cNvPr id="5" name="页脚占位符 4">
             <a:extLst>
               <a:ext uri="{FF2B5EF4-FFF2-40B4-BE49-F238E27FC236}">
-                <a16:creationId xmlns:a16="http://schemas.microsoft.com/office/drawing/2014/main" id="{233248B6-CA6C-93C9-03D9-00D19138F1AD}"/>
+                <a16:creationId xmlns:a16="http://schemas.microsoft.com/office/drawing/2014/main" id="{F8C93D99-9D45-B117-1106-2E566899BD72}"/>
               </a:ext>
             </a:extLst>
           </p:cNvPr>
@@ -1169,7 +1169,7 @@
           <p:cNvPr id="6" name="灯片编号占位符 5">
             <a:extLst>
               <a:ext uri="{FF2B5EF4-FFF2-40B4-BE49-F238E27FC236}">
-                <a16:creationId xmlns:a16="http://schemas.microsoft.com/office/drawing/2014/main" id="{02147D99-F2DF-4E71-DEC9-E95FBD4A6C90}"/>
+                <a16:creationId xmlns:a16="http://schemas.microsoft.com/office/drawing/2014/main" id="{FFDD10B2-856D-9297-25C9-180ACAF29BB9}"/>
               </a:ext>
             </a:extLst>
           </p:cNvPr>
@@ -1185,7 +1185,7 @@
           <a:bodyPr/>
           <a:lstStyle/>
           <a:p>
-            <a:fld id="{19A86520-B4BB-4290-8377-0A72F21CBCD9}" type="slidenum">
+            <a:fld id="{11C4F375-48A4-443F-9635-5D420C4CAED4}" type="slidenum">
               <a:rPr lang="zh-CN" altLang="en-US" smtClean="0"/>
               <a:t>‹#›</a:t>
             </a:fld>
@@ -1196,7 +1196,7 @@
     </p:spTree>
     <p:extLst>
       <p:ext uri="{BB962C8B-B14F-4D97-AF65-F5344CB8AC3E}">
-        <p14:creationId xmlns:p14="http://schemas.microsoft.com/office/powerpoint/2010/main" val="2517946480"/>
+        <p14:creationId xmlns:p14="http://schemas.microsoft.com/office/powerpoint/2010/main" val="2729539262"/>
       </p:ext>
     </p:extLst>
   </p:cSld>
@@ -1228,7 +1228,7 @@
           <p:cNvPr id="2" name="标题 1">
             <a:extLst>
               <a:ext uri="{FF2B5EF4-FFF2-40B4-BE49-F238E27FC236}">
-                <a16:creationId xmlns:a16="http://schemas.microsoft.com/office/drawing/2014/main" id="{A00BAC46-ECE6-EC0E-81D1-1725F851CF60}"/>
+                <a16:creationId xmlns:a16="http://schemas.microsoft.com/office/drawing/2014/main" id="{6108933A-93D7-0C4D-5ECB-1581499C7BCE}"/>
               </a:ext>
             </a:extLst>
           </p:cNvPr>
@@ -1256,7 +1256,7 @@
           <p:cNvPr id="3" name="内容占位符 2">
             <a:extLst>
               <a:ext uri="{FF2B5EF4-FFF2-40B4-BE49-F238E27FC236}">
-                <a16:creationId xmlns:a16="http://schemas.microsoft.com/office/drawing/2014/main" id="{E0BF89E3-AC2E-B6CD-2460-72AA56DF92CA}"/>
+                <a16:creationId xmlns:a16="http://schemas.microsoft.com/office/drawing/2014/main" id="{2434166E-AC48-0388-8CB6-9B36C4D30090}"/>
               </a:ext>
             </a:extLst>
           </p:cNvPr>
@@ -1318,7 +1318,7 @@
           <p:cNvPr id="4" name="内容占位符 3">
             <a:extLst>
               <a:ext uri="{FF2B5EF4-FFF2-40B4-BE49-F238E27FC236}">
-                <a16:creationId xmlns:a16="http://schemas.microsoft.com/office/drawing/2014/main" id="{A783A24D-216D-E76D-485A-87E15ACA8702}"/>
+                <a16:creationId xmlns:a16="http://schemas.microsoft.com/office/drawing/2014/main" id="{E20BB6BF-E661-EC99-453B-9D7AC61D5F67}"/>
               </a:ext>
             </a:extLst>
           </p:cNvPr>
@@ -1380,7 +1380,7 @@
           <p:cNvPr id="5" name="日期占位符 4">
             <a:extLst>
               <a:ext uri="{FF2B5EF4-FFF2-40B4-BE49-F238E27FC236}">
-                <a16:creationId xmlns:a16="http://schemas.microsoft.com/office/drawing/2014/main" id="{83E36AB0-14DF-E959-6599-B33B49D94BCE}"/>
+                <a16:creationId xmlns:a16="http://schemas.microsoft.com/office/drawing/2014/main" id="{E9B14B3B-312A-DD48-A836-A506891DA053}"/>
               </a:ext>
             </a:extLst>
           </p:cNvPr>
@@ -1396,7 +1396,7 @@
           <a:bodyPr/>
           <a:lstStyle/>
           <a:p>
-            <a:fld id="{1159228C-D8AA-4A4D-A50B-D822AB05AE00}" type="datetimeFigureOut">
+            <a:fld id="{6562A4C0-0EBC-4B41-B8AA-C9FAC0F5E612}" type="datetimeFigureOut">
               <a:rPr lang="zh-CN" altLang="en-US" smtClean="0"/>
               <a:t>2024/3/10</a:t>
             </a:fld>
@@ -1409,7 +1409,7 @@
           <p:cNvPr id="6" name="页脚占位符 5">
             <a:extLst>
               <a:ext uri="{FF2B5EF4-FFF2-40B4-BE49-F238E27FC236}">
-                <a16:creationId xmlns:a16="http://schemas.microsoft.com/office/drawing/2014/main" id="{B1FC4428-D19F-1453-FCC4-F4E5A4E01DA6}"/>
+                <a16:creationId xmlns:a16="http://schemas.microsoft.com/office/drawing/2014/main" id="{3523E2C4-AB9D-3536-A926-EEB1DFFE6DFD}"/>
               </a:ext>
             </a:extLst>
           </p:cNvPr>
@@ -1434,7 +1434,7 @@
           <p:cNvPr id="7" name="灯片编号占位符 6">
             <a:extLst>
               <a:ext uri="{FF2B5EF4-FFF2-40B4-BE49-F238E27FC236}">
-                <a16:creationId xmlns:a16="http://schemas.microsoft.com/office/drawing/2014/main" id="{562F2EC0-A15A-E466-FE1D-79F545EE211C}"/>
+                <a16:creationId xmlns:a16="http://schemas.microsoft.com/office/drawing/2014/main" id="{DEDDAEA8-80F8-86A6-6D6B-62B1C42ECAA8}"/>
               </a:ext>
             </a:extLst>
           </p:cNvPr>
@@ -1450,7 +1450,7 @@
           <a:bodyPr/>
           <a:lstStyle/>
           <a:p>
-            <a:fld id="{19A86520-B4BB-4290-8377-0A72F21CBCD9}" type="slidenum">
+            <a:fld id="{11C4F375-48A4-443F-9635-5D420C4CAED4}" type="slidenum">
               <a:rPr lang="zh-CN" altLang="en-US" smtClean="0"/>
               <a:t>‹#›</a:t>
             </a:fld>
@@ -1461,7 +1461,7 @@
     </p:spTree>
     <p:extLst>
       <p:ext uri="{BB962C8B-B14F-4D97-AF65-F5344CB8AC3E}">
-        <p14:creationId xmlns:p14="http://schemas.microsoft.com/office/powerpoint/2010/main" val="2605835918"/>
+        <p14:creationId xmlns:p14="http://schemas.microsoft.com/office/powerpoint/2010/main" val="1265008756"/>
       </p:ext>
     </p:extLst>
   </p:cSld>
@@ -1493,7 +1493,7 @@
           <p:cNvPr id="2" name="标题 1">
             <a:extLst>
               <a:ext uri="{FF2B5EF4-FFF2-40B4-BE49-F238E27FC236}">
-                <a16:creationId xmlns:a16="http://schemas.microsoft.com/office/drawing/2014/main" id="{89D8EAD9-BDDE-AD5D-1040-E8E7B986ACCC}"/>
+                <a16:creationId xmlns:a16="http://schemas.microsoft.com/office/drawing/2014/main" id="{4CCAC5CB-5977-5DC9-A762-D8CEF0C031FD}"/>
               </a:ext>
             </a:extLst>
           </p:cNvPr>
@@ -1526,7 +1526,7 @@
           <p:cNvPr id="3" name="文本占位符 2">
             <a:extLst>
               <a:ext uri="{FF2B5EF4-FFF2-40B4-BE49-F238E27FC236}">
-                <a16:creationId xmlns:a16="http://schemas.microsoft.com/office/drawing/2014/main" id="{E794FCC1-C936-FA21-2E0B-CDA34DF6AE1C}"/>
+                <a16:creationId xmlns:a16="http://schemas.microsoft.com/office/drawing/2014/main" id="{401ECFF7-7CFA-DF59-296C-26C2F2AB92AD}"/>
               </a:ext>
             </a:extLst>
           </p:cNvPr>
@@ -1597,7 +1597,7 @@
           <p:cNvPr id="4" name="内容占位符 3">
             <a:extLst>
               <a:ext uri="{FF2B5EF4-FFF2-40B4-BE49-F238E27FC236}">
-                <a16:creationId xmlns:a16="http://schemas.microsoft.com/office/drawing/2014/main" id="{9A5DDE57-6F4B-3ADF-0B39-1A2234AAE574}"/>
+                <a16:creationId xmlns:a16="http://schemas.microsoft.com/office/drawing/2014/main" id="{AC606775-6771-783D-A405-9096D4343A1A}"/>
               </a:ext>
             </a:extLst>
           </p:cNvPr>
@@ -1659,7 +1659,7 @@
           <p:cNvPr id="5" name="文本占位符 4">
             <a:extLst>
               <a:ext uri="{FF2B5EF4-FFF2-40B4-BE49-F238E27FC236}">
-                <a16:creationId xmlns:a16="http://schemas.microsoft.com/office/drawing/2014/main" id="{194DCCB8-977F-C030-73F7-46B1C75F8790}"/>
+                <a16:creationId xmlns:a16="http://schemas.microsoft.com/office/drawing/2014/main" id="{32B02E9E-9527-7D8B-0BF8-63CC7C6E2A70}"/>
               </a:ext>
             </a:extLst>
           </p:cNvPr>
@@ -1730,7 +1730,7 @@
           <p:cNvPr id="6" name="内容占位符 5">
             <a:extLst>
               <a:ext uri="{FF2B5EF4-FFF2-40B4-BE49-F238E27FC236}">
-                <a16:creationId xmlns:a16="http://schemas.microsoft.com/office/drawing/2014/main" id="{75BE69E4-DC81-D90B-4B69-4FD25E15C5FD}"/>
+                <a16:creationId xmlns:a16="http://schemas.microsoft.com/office/drawing/2014/main" id="{00FF05DE-08C1-6258-00E0-08AAD5353AA1}"/>
               </a:ext>
             </a:extLst>
           </p:cNvPr>
@@ -1792,7 +1792,7 @@
           <p:cNvPr id="7" name="日期占位符 6">
             <a:extLst>
               <a:ext uri="{FF2B5EF4-FFF2-40B4-BE49-F238E27FC236}">
-                <a16:creationId xmlns:a16="http://schemas.microsoft.com/office/drawing/2014/main" id="{FB07D762-EF3C-C055-18D3-461B3D077634}"/>
+                <a16:creationId xmlns:a16="http://schemas.microsoft.com/office/drawing/2014/main" id="{182B26BD-994B-75C0-1D17-1B7FBB2DA8FF}"/>
               </a:ext>
             </a:extLst>
           </p:cNvPr>
@@ -1808,7 +1808,7 @@
           <a:bodyPr/>
           <a:lstStyle/>
           <a:p>
-            <a:fld id="{1159228C-D8AA-4A4D-A50B-D822AB05AE00}" type="datetimeFigureOut">
+            <a:fld id="{6562A4C0-0EBC-4B41-B8AA-C9FAC0F5E612}" type="datetimeFigureOut">
               <a:rPr lang="zh-CN" altLang="en-US" smtClean="0"/>
               <a:t>2024/3/10</a:t>
             </a:fld>
@@ -1821,7 +1821,7 @@
           <p:cNvPr id="8" name="页脚占位符 7">
             <a:extLst>
               <a:ext uri="{FF2B5EF4-FFF2-40B4-BE49-F238E27FC236}">
-                <a16:creationId xmlns:a16="http://schemas.microsoft.com/office/drawing/2014/main" id="{5D17DE52-86E6-36A9-4DFA-4838ED218496}"/>
+                <a16:creationId xmlns:a16="http://schemas.microsoft.com/office/drawing/2014/main" id="{936E95D7-FC39-E20C-249E-EB46A7BDEA01}"/>
               </a:ext>
             </a:extLst>
           </p:cNvPr>
@@ -1846,7 +1846,7 @@
           <p:cNvPr id="9" name="灯片编号占位符 8">
             <a:extLst>
               <a:ext uri="{FF2B5EF4-FFF2-40B4-BE49-F238E27FC236}">
-                <a16:creationId xmlns:a16="http://schemas.microsoft.com/office/drawing/2014/main" id="{DB32F1CC-655B-51D8-E583-774C6D3DB1AF}"/>
+                <a16:creationId xmlns:a16="http://schemas.microsoft.com/office/drawing/2014/main" id="{BD2F756A-F3A9-7B38-E526-69D3AC2CCDB5}"/>
               </a:ext>
             </a:extLst>
           </p:cNvPr>
@@ -1862,7 +1862,7 @@
           <a:bodyPr/>
           <a:lstStyle/>
           <a:p>
-            <a:fld id="{19A86520-B4BB-4290-8377-0A72F21CBCD9}" type="slidenum">
+            <a:fld id="{11C4F375-48A4-443F-9635-5D420C4CAED4}" type="slidenum">
               <a:rPr lang="zh-CN" altLang="en-US" smtClean="0"/>
               <a:t>‹#›</a:t>
             </a:fld>
@@ -1873,7 +1873,7 @@
     </p:spTree>
     <p:extLst>
       <p:ext uri="{BB962C8B-B14F-4D97-AF65-F5344CB8AC3E}">
-        <p14:creationId xmlns:p14="http://schemas.microsoft.com/office/powerpoint/2010/main" val="1027054312"/>
+        <p14:creationId xmlns:p14="http://schemas.microsoft.com/office/powerpoint/2010/main" val="4078554810"/>
       </p:ext>
     </p:extLst>
   </p:cSld>
@@ -1905,7 +1905,7 @@
           <p:cNvPr id="2" name="标题 1">
             <a:extLst>
               <a:ext uri="{FF2B5EF4-FFF2-40B4-BE49-F238E27FC236}">
-                <a16:creationId xmlns:a16="http://schemas.microsoft.com/office/drawing/2014/main" id="{5D76BA6B-7779-AF18-CB97-333D32AD8CDA}"/>
+                <a16:creationId xmlns:a16="http://schemas.microsoft.com/office/drawing/2014/main" id="{0D5C76B9-5F67-60BF-699F-046F03181EA8}"/>
               </a:ext>
             </a:extLst>
           </p:cNvPr>
@@ -1933,7 +1933,7 @@
           <p:cNvPr id="3" name="日期占位符 2">
             <a:extLst>
               <a:ext uri="{FF2B5EF4-FFF2-40B4-BE49-F238E27FC236}">
-                <a16:creationId xmlns:a16="http://schemas.microsoft.com/office/drawing/2014/main" id="{13B3446F-6299-B314-152B-A7F768333A44}"/>
+                <a16:creationId xmlns:a16="http://schemas.microsoft.com/office/drawing/2014/main" id="{44791FD0-D370-7CCC-48A0-C294CBF8A337}"/>
               </a:ext>
             </a:extLst>
           </p:cNvPr>
@@ -1949,7 +1949,7 @@
           <a:bodyPr/>
           <a:lstStyle/>
           <a:p>
-            <a:fld id="{1159228C-D8AA-4A4D-A50B-D822AB05AE00}" type="datetimeFigureOut">
+            <a:fld id="{6562A4C0-0EBC-4B41-B8AA-C9FAC0F5E612}" type="datetimeFigureOut">
               <a:rPr lang="zh-CN" altLang="en-US" smtClean="0"/>
               <a:t>2024/3/10</a:t>
             </a:fld>
@@ -1962,7 +1962,7 @@
           <p:cNvPr id="4" name="页脚占位符 3">
             <a:extLst>
               <a:ext uri="{FF2B5EF4-FFF2-40B4-BE49-F238E27FC236}">
-                <a16:creationId xmlns:a16="http://schemas.microsoft.com/office/drawing/2014/main" id="{7B2DCB7D-329F-D6AD-6843-F539B2EC7CAF}"/>
+                <a16:creationId xmlns:a16="http://schemas.microsoft.com/office/drawing/2014/main" id="{4BDC0876-906D-810E-41B1-DC9F14461D54}"/>
               </a:ext>
             </a:extLst>
           </p:cNvPr>
@@ -1987,7 +1987,7 @@
           <p:cNvPr id="5" name="灯片编号占位符 4">
             <a:extLst>
               <a:ext uri="{FF2B5EF4-FFF2-40B4-BE49-F238E27FC236}">
-                <a16:creationId xmlns:a16="http://schemas.microsoft.com/office/drawing/2014/main" id="{8445DEE9-B0BE-821F-CA1D-66E0890629AD}"/>
+                <a16:creationId xmlns:a16="http://schemas.microsoft.com/office/drawing/2014/main" id="{CB21AC9A-D63C-4289-C7E3-8F1EF443AC6B}"/>
               </a:ext>
             </a:extLst>
           </p:cNvPr>
@@ -2003,7 +2003,7 @@
           <a:bodyPr/>
           <a:lstStyle/>
           <a:p>
-            <a:fld id="{19A86520-B4BB-4290-8377-0A72F21CBCD9}" type="slidenum">
+            <a:fld id="{11C4F375-48A4-443F-9635-5D420C4CAED4}" type="slidenum">
               <a:rPr lang="zh-CN" altLang="en-US" smtClean="0"/>
               <a:t>‹#›</a:t>
             </a:fld>
@@ -2014,7 +2014,7 @@
     </p:spTree>
     <p:extLst>
       <p:ext uri="{BB962C8B-B14F-4D97-AF65-F5344CB8AC3E}">
-        <p14:creationId xmlns:p14="http://schemas.microsoft.com/office/powerpoint/2010/main" val="1732881374"/>
+        <p14:creationId xmlns:p14="http://schemas.microsoft.com/office/powerpoint/2010/main" val="4002761621"/>
       </p:ext>
     </p:extLst>
   </p:cSld>
@@ -2046,7 +2046,7 @@
           <p:cNvPr id="2" name="日期占位符 1">
             <a:extLst>
               <a:ext uri="{FF2B5EF4-FFF2-40B4-BE49-F238E27FC236}">
-                <a16:creationId xmlns:a16="http://schemas.microsoft.com/office/drawing/2014/main" id="{39B25B25-6ECC-F507-3010-5D33C1F3DC40}"/>
+                <a16:creationId xmlns:a16="http://schemas.microsoft.com/office/drawing/2014/main" id="{7CB6EB3E-805A-2315-A871-4C9B3B004AAF}"/>
               </a:ext>
             </a:extLst>
           </p:cNvPr>
@@ -2062,7 +2062,7 @@
           <a:bodyPr/>
           <a:lstStyle/>
           <a:p>
-            <a:fld id="{1159228C-D8AA-4A4D-A50B-D822AB05AE00}" type="datetimeFigureOut">
+            <a:fld id="{6562A4C0-0EBC-4B41-B8AA-C9FAC0F5E612}" type="datetimeFigureOut">
               <a:rPr lang="zh-CN" altLang="en-US" smtClean="0"/>
               <a:t>2024/3/10</a:t>
             </a:fld>
@@ -2075,7 +2075,7 @@
           <p:cNvPr id="3" name="页脚占位符 2">
             <a:extLst>
               <a:ext uri="{FF2B5EF4-FFF2-40B4-BE49-F238E27FC236}">
-                <a16:creationId xmlns:a16="http://schemas.microsoft.com/office/drawing/2014/main" id="{B260B6F8-0B5B-AE04-2C96-F0FE92D70F29}"/>
+                <a16:creationId xmlns:a16="http://schemas.microsoft.com/office/drawing/2014/main" id="{3B2ABD8D-1D1D-949F-26A3-62EA43B7810C}"/>
               </a:ext>
             </a:extLst>
           </p:cNvPr>
@@ -2100,7 +2100,7 @@
           <p:cNvPr id="4" name="灯片编号占位符 3">
             <a:extLst>
               <a:ext uri="{FF2B5EF4-FFF2-40B4-BE49-F238E27FC236}">
-                <a16:creationId xmlns:a16="http://schemas.microsoft.com/office/drawing/2014/main" id="{FB39176A-1B60-3A0F-943B-E8A70CE63F39}"/>
+                <a16:creationId xmlns:a16="http://schemas.microsoft.com/office/drawing/2014/main" id="{DC06CA9E-2CE5-32CC-F587-C54E3C543B0F}"/>
               </a:ext>
             </a:extLst>
           </p:cNvPr>
@@ -2116,7 +2116,7 @@
           <a:bodyPr/>
           <a:lstStyle/>
           <a:p>
-            <a:fld id="{19A86520-B4BB-4290-8377-0A72F21CBCD9}" type="slidenum">
+            <a:fld id="{11C4F375-48A4-443F-9635-5D420C4CAED4}" type="slidenum">
               <a:rPr lang="zh-CN" altLang="en-US" smtClean="0"/>
               <a:t>‹#›</a:t>
             </a:fld>
@@ -2127,7 +2127,7 @@
     </p:spTree>
     <p:extLst>
       <p:ext uri="{BB962C8B-B14F-4D97-AF65-F5344CB8AC3E}">
-        <p14:creationId xmlns:p14="http://schemas.microsoft.com/office/powerpoint/2010/main" val="146600887"/>
+        <p14:creationId xmlns:p14="http://schemas.microsoft.com/office/powerpoint/2010/main" val="1723489244"/>
       </p:ext>
     </p:extLst>
   </p:cSld>
@@ -2159,7 +2159,7 @@
           <p:cNvPr id="2" name="标题 1">
             <a:extLst>
               <a:ext uri="{FF2B5EF4-FFF2-40B4-BE49-F238E27FC236}">
-                <a16:creationId xmlns:a16="http://schemas.microsoft.com/office/drawing/2014/main" id="{7A196827-0A0C-8D44-BB4B-BFC1A31E93E0}"/>
+                <a16:creationId xmlns:a16="http://schemas.microsoft.com/office/drawing/2014/main" id="{09DD715C-4CBA-9BA0-8FA0-C4788E69BA63}"/>
               </a:ext>
             </a:extLst>
           </p:cNvPr>
@@ -2196,7 +2196,7 @@
           <p:cNvPr id="3" name="内容占位符 2">
             <a:extLst>
               <a:ext uri="{FF2B5EF4-FFF2-40B4-BE49-F238E27FC236}">
-                <a16:creationId xmlns:a16="http://schemas.microsoft.com/office/drawing/2014/main" id="{A7BB2098-FC50-6815-6A18-D35850DB847B}"/>
+                <a16:creationId xmlns:a16="http://schemas.microsoft.com/office/drawing/2014/main" id="{64B070A5-52F4-8119-CD6C-B80669E1E9FD}"/>
               </a:ext>
             </a:extLst>
           </p:cNvPr>
@@ -2286,7 +2286,7 @@
           <p:cNvPr id="4" name="文本占位符 3">
             <a:extLst>
               <a:ext uri="{FF2B5EF4-FFF2-40B4-BE49-F238E27FC236}">
-                <a16:creationId xmlns:a16="http://schemas.microsoft.com/office/drawing/2014/main" id="{ABA2DB22-93AB-3887-60F6-86AE1F4DB830}"/>
+                <a16:creationId xmlns:a16="http://schemas.microsoft.com/office/drawing/2014/main" id="{60BB0596-CB8A-9F1A-E118-E43A97A063D5}"/>
               </a:ext>
             </a:extLst>
           </p:cNvPr>
@@ -2357,7 +2357,7 @@
           <p:cNvPr id="5" name="日期占位符 4">
             <a:extLst>
               <a:ext uri="{FF2B5EF4-FFF2-40B4-BE49-F238E27FC236}">
-                <a16:creationId xmlns:a16="http://schemas.microsoft.com/office/drawing/2014/main" id="{665A2593-DCFC-7899-A080-DF140724C84D}"/>
+                <a16:creationId xmlns:a16="http://schemas.microsoft.com/office/drawing/2014/main" id="{F0417438-4798-3ABD-BB6D-DF8285EE1093}"/>
               </a:ext>
             </a:extLst>
           </p:cNvPr>
@@ -2373,7 +2373,7 @@
           <a:bodyPr/>
           <a:lstStyle/>
           <a:p>
-            <a:fld id="{1159228C-D8AA-4A4D-A50B-D822AB05AE00}" type="datetimeFigureOut">
+            <a:fld id="{6562A4C0-0EBC-4B41-B8AA-C9FAC0F5E612}" type="datetimeFigureOut">
               <a:rPr lang="zh-CN" altLang="en-US" smtClean="0"/>
               <a:t>2024/3/10</a:t>
             </a:fld>
@@ -2386,7 +2386,7 @@
           <p:cNvPr id="6" name="页脚占位符 5">
             <a:extLst>
               <a:ext uri="{FF2B5EF4-FFF2-40B4-BE49-F238E27FC236}">
-                <a16:creationId xmlns:a16="http://schemas.microsoft.com/office/drawing/2014/main" id="{021EEE16-9805-A489-8C16-E0B541018061}"/>
+                <a16:creationId xmlns:a16="http://schemas.microsoft.com/office/drawing/2014/main" id="{CE0B1540-0BFE-37F0-1331-F559B11A4D49}"/>
               </a:ext>
             </a:extLst>
           </p:cNvPr>
@@ -2411,7 +2411,7 @@
           <p:cNvPr id="7" name="灯片编号占位符 6">
             <a:extLst>
               <a:ext uri="{FF2B5EF4-FFF2-40B4-BE49-F238E27FC236}">
-                <a16:creationId xmlns:a16="http://schemas.microsoft.com/office/drawing/2014/main" id="{C9533415-4BFD-B56F-0FBC-1B6A0AE20272}"/>
+                <a16:creationId xmlns:a16="http://schemas.microsoft.com/office/drawing/2014/main" id="{F4AA7AB8-8762-02C1-8100-C1DB7F92B858}"/>
               </a:ext>
             </a:extLst>
           </p:cNvPr>
@@ -2427,7 +2427,7 @@
           <a:bodyPr/>
           <a:lstStyle/>
           <a:p>
-            <a:fld id="{19A86520-B4BB-4290-8377-0A72F21CBCD9}" type="slidenum">
+            <a:fld id="{11C4F375-48A4-443F-9635-5D420C4CAED4}" type="slidenum">
               <a:rPr lang="zh-CN" altLang="en-US" smtClean="0"/>
               <a:t>‹#›</a:t>
             </a:fld>
@@ -2438,7 +2438,7 @@
     </p:spTree>
     <p:extLst>
       <p:ext uri="{BB962C8B-B14F-4D97-AF65-F5344CB8AC3E}">
-        <p14:creationId xmlns:p14="http://schemas.microsoft.com/office/powerpoint/2010/main" val="2178886727"/>
+        <p14:creationId xmlns:p14="http://schemas.microsoft.com/office/powerpoint/2010/main" val="375064829"/>
       </p:ext>
     </p:extLst>
   </p:cSld>
@@ -2470,7 +2470,7 @@
           <p:cNvPr id="2" name="标题 1">
             <a:extLst>
               <a:ext uri="{FF2B5EF4-FFF2-40B4-BE49-F238E27FC236}">
-                <a16:creationId xmlns:a16="http://schemas.microsoft.com/office/drawing/2014/main" id="{6417A5B6-42EF-CFF3-9AC7-032D77B7B7FB}"/>
+                <a16:creationId xmlns:a16="http://schemas.microsoft.com/office/drawing/2014/main" id="{41D1FABA-56A2-F722-808A-32CDD54F6561}"/>
               </a:ext>
             </a:extLst>
           </p:cNvPr>
@@ -2507,7 +2507,7 @@
           <p:cNvPr id="3" name="图片占位符 2">
             <a:extLst>
               <a:ext uri="{FF2B5EF4-FFF2-40B4-BE49-F238E27FC236}">
-                <a16:creationId xmlns:a16="http://schemas.microsoft.com/office/drawing/2014/main" id="{F3D6627F-6646-D882-F04F-1CB8042A86B0}"/>
+                <a16:creationId xmlns:a16="http://schemas.microsoft.com/office/drawing/2014/main" id="{63D30B28-A5B4-739F-BA2E-F9C3EDE5E331}"/>
               </a:ext>
             </a:extLst>
           </p:cNvPr>
@@ -2574,7 +2574,7 @@
           <p:cNvPr id="4" name="文本占位符 3">
             <a:extLst>
               <a:ext uri="{FF2B5EF4-FFF2-40B4-BE49-F238E27FC236}">
-                <a16:creationId xmlns:a16="http://schemas.microsoft.com/office/drawing/2014/main" id="{7DEE709E-260A-334A-FF2A-9117545B555F}"/>
+                <a16:creationId xmlns:a16="http://schemas.microsoft.com/office/drawing/2014/main" id="{87DCA31E-86EE-6B33-D5A0-B5CA2B14D0CA}"/>
               </a:ext>
             </a:extLst>
           </p:cNvPr>
@@ -2645,7 +2645,7 @@
           <p:cNvPr id="5" name="日期占位符 4">
             <a:extLst>
               <a:ext uri="{FF2B5EF4-FFF2-40B4-BE49-F238E27FC236}">
-                <a16:creationId xmlns:a16="http://schemas.microsoft.com/office/drawing/2014/main" id="{5D427719-A3EA-F66D-D0DD-4BA32119AC11}"/>
+                <a16:creationId xmlns:a16="http://schemas.microsoft.com/office/drawing/2014/main" id="{50CA78D8-E984-F1CE-E07A-64207D5DF878}"/>
               </a:ext>
             </a:extLst>
           </p:cNvPr>
@@ -2661,7 +2661,7 @@
           <a:bodyPr/>
           <a:lstStyle/>
           <a:p>
-            <a:fld id="{1159228C-D8AA-4A4D-A50B-D822AB05AE00}" type="datetimeFigureOut">
+            <a:fld id="{6562A4C0-0EBC-4B41-B8AA-C9FAC0F5E612}" type="datetimeFigureOut">
               <a:rPr lang="zh-CN" altLang="en-US" smtClean="0"/>
               <a:t>2024/3/10</a:t>
             </a:fld>
@@ -2674,7 +2674,7 @@
           <p:cNvPr id="6" name="页脚占位符 5">
             <a:extLst>
               <a:ext uri="{FF2B5EF4-FFF2-40B4-BE49-F238E27FC236}">
-                <a16:creationId xmlns:a16="http://schemas.microsoft.com/office/drawing/2014/main" id="{864AB321-CE1D-9CC1-8017-3F1FE6CC2047}"/>
+                <a16:creationId xmlns:a16="http://schemas.microsoft.com/office/drawing/2014/main" id="{09D12F0A-6C0A-7228-24DB-4E80D49FE1F6}"/>
               </a:ext>
             </a:extLst>
           </p:cNvPr>
@@ -2699,7 +2699,7 @@
           <p:cNvPr id="7" name="灯片编号占位符 6">
             <a:extLst>
               <a:ext uri="{FF2B5EF4-FFF2-40B4-BE49-F238E27FC236}">
-                <a16:creationId xmlns:a16="http://schemas.microsoft.com/office/drawing/2014/main" id="{B70C2340-1A2A-F348-8B7B-89D2731B0D5E}"/>
+                <a16:creationId xmlns:a16="http://schemas.microsoft.com/office/drawing/2014/main" id="{D2726A0E-A9AE-A2C7-87FF-0A2DC82CB47A}"/>
               </a:ext>
             </a:extLst>
           </p:cNvPr>
@@ -2715,7 +2715,7 @@
           <a:bodyPr/>
           <a:lstStyle/>
           <a:p>
-            <a:fld id="{19A86520-B4BB-4290-8377-0A72F21CBCD9}" type="slidenum">
+            <a:fld id="{11C4F375-48A4-443F-9635-5D420C4CAED4}" type="slidenum">
               <a:rPr lang="zh-CN" altLang="en-US" smtClean="0"/>
               <a:t>‹#›</a:t>
             </a:fld>
@@ -2726,7 +2726,7 @@
     </p:spTree>
     <p:extLst>
       <p:ext uri="{BB962C8B-B14F-4D97-AF65-F5344CB8AC3E}">
-        <p14:creationId xmlns:p14="http://schemas.microsoft.com/office/powerpoint/2010/main" val="635397784"/>
+        <p14:creationId xmlns:p14="http://schemas.microsoft.com/office/powerpoint/2010/main" val="4129334696"/>
       </p:ext>
     </p:extLst>
   </p:cSld>
@@ -2763,7 +2763,7 @@
           <p:cNvPr id="2" name="标题占位符 1">
             <a:extLst>
               <a:ext uri="{FF2B5EF4-FFF2-40B4-BE49-F238E27FC236}">
-                <a16:creationId xmlns:a16="http://schemas.microsoft.com/office/drawing/2014/main" id="{71AE9CF6-1E28-5B0D-A613-08C508D3D71D}"/>
+                <a16:creationId xmlns:a16="http://schemas.microsoft.com/office/drawing/2014/main" id="{E8DD6818-CA8D-5268-4357-71250FD700C5}"/>
               </a:ext>
             </a:extLst>
           </p:cNvPr>
@@ -2801,7 +2801,7 @@
           <p:cNvPr id="3" name="文本占位符 2">
             <a:extLst>
               <a:ext uri="{FF2B5EF4-FFF2-40B4-BE49-F238E27FC236}">
-                <a16:creationId xmlns:a16="http://schemas.microsoft.com/office/drawing/2014/main" id="{BAF62319-9993-C2A6-216C-30D024C539B6}"/>
+                <a16:creationId xmlns:a16="http://schemas.microsoft.com/office/drawing/2014/main" id="{4A3104D8-A561-F237-60F7-6D46F97784CD}"/>
               </a:ext>
             </a:extLst>
           </p:cNvPr>
@@ -2868,7 +2868,7 @@
           <p:cNvPr id="4" name="日期占位符 3">
             <a:extLst>
               <a:ext uri="{FF2B5EF4-FFF2-40B4-BE49-F238E27FC236}">
-                <a16:creationId xmlns:a16="http://schemas.microsoft.com/office/drawing/2014/main" id="{993BF771-2ACA-56D3-5EAC-9D9BA4E3CD00}"/>
+                <a16:creationId xmlns:a16="http://schemas.microsoft.com/office/drawing/2014/main" id="{AD6F9293-62CE-4C31-A9F4-CFF2E3B373FB}"/>
               </a:ext>
             </a:extLst>
           </p:cNvPr>
@@ -2902,7 +2902,7 @@
             </a:lvl1pPr>
           </a:lstStyle>
           <a:p>
-            <a:fld id="{1159228C-D8AA-4A4D-A50B-D822AB05AE00}" type="datetimeFigureOut">
+            <a:fld id="{6562A4C0-0EBC-4B41-B8AA-C9FAC0F5E612}" type="datetimeFigureOut">
               <a:rPr lang="zh-CN" altLang="en-US" smtClean="0"/>
               <a:t>2024/3/10</a:t>
             </a:fld>
@@ -2915,7 +2915,7 @@
           <p:cNvPr id="5" name="页脚占位符 4">
             <a:extLst>
               <a:ext uri="{FF2B5EF4-FFF2-40B4-BE49-F238E27FC236}">
-                <a16:creationId xmlns:a16="http://schemas.microsoft.com/office/drawing/2014/main" id="{7CFD2EDB-F1B4-FD9C-DBF3-0BCFFC5F2CCC}"/>
+                <a16:creationId xmlns:a16="http://schemas.microsoft.com/office/drawing/2014/main" id="{268BCEB5-A6EF-95C0-AF9B-92104264FFB1}"/>
               </a:ext>
             </a:extLst>
           </p:cNvPr>
@@ -2958,7 +2958,7 @@
           <p:cNvPr id="6" name="灯片编号占位符 5">
             <a:extLst>
               <a:ext uri="{FF2B5EF4-FFF2-40B4-BE49-F238E27FC236}">
-                <a16:creationId xmlns:a16="http://schemas.microsoft.com/office/drawing/2014/main" id="{9F1B0119-D5E0-35F3-0C96-8C1063BE2D2D}"/>
+                <a16:creationId xmlns:a16="http://schemas.microsoft.com/office/drawing/2014/main" id="{904AAA34-2783-786B-FA10-FA6C92F36718}"/>
               </a:ext>
             </a:extLst>
           </p:cNvPr>
@@ -2992,7 +2992,7 @@
             </a:lvl1pPr>
           </a:lstStyle>
           <a:p>
-            <a:fld id="{19A86520-B4BB-4290-8377-0A72F21CBCD9}" type="slidenum">
+            <a:fld id="{11C4F375-48A4-443F-9635-5D420C4CAED4}" type="slidenum">
               <a:rPr lang="zh-CN" altLang="en-US" smtClean="0"/>
               <a:t>‹#›</a:t>
             </a:fld>
@@ -3003,7 +3003,7 @@
     </p:spTree>
     <p:extLst>
       <p:ext uri="{BB962C8B-B14F-4D97-AF65-F5344CB8AC3E}">
-        <p14:creationId xmlns:p14="http://schemas.microsoft.com/office/powerpoint/2010/main" val="413854240"/>
+        <p14:creationId xmlns:p14="http://schemas.microsoft.com/office/powerpoint/2010/main" val="3500671870"/>
       </p:ext>
     </p:extLst>
   </p:cSld>
